--- a/Furiosa Panel Interview PPT/Furiosa Panel Interview.pptx
+++ b/Furiosa Panel Interview PPT/Furiosa Panel Interview.pptx
@@ -31,25 +31,25 @@
   <p:notesSz cx="6858000" cy="9144000"/>
   <p:embeddedFontLst>
     <p:embeddedFont>
+      <p:font typeface="Impact" panose="020B0806030902050204" pitchFamily="34" charset="0"/>
+      <p:regular r:id="rId21"/>
+    </p:embeddedFont>
+    <p:embeddedFont>
+      <p:font typeface="Roboto" panose="020B0604020202020204" charset="0"/>
+      <p:regular r:id="rId22"/>
+      <p:bold r:id="rId23"/>
+      <p:italic r:id="rId24"/>
+      <p:boldItalic r:id="rId25"/>
+    </p:embeddedFont>
+    <p:embeddedFont>
       <p:font typeface="Georgia" panose="02040502050405020303" pitchFamily="18" charset="0"/>
-      <p:regular r:id="rId21"/>
-      <p:bold r:id="rId22"/>
-      <p:italic r:id="rId23"/>
-      <p:boldItalic r:id="rId24"/>
+      <p:regular r:id="rId26"/>
+      <p:bold r:id="rId27"/>
+      <p:italic r:id="rId28"/>
+      <p:boldItalic r:id="rId29"/>
     </p:embeddedFont>
     <p:embeddedFont>
       <p:font typeface="Calibri" panose="020F0502020204030204" pitchFamily="34" charset="0"/>
-      <p:regular r:id="rId25"/>
-      <p:bold r:id="rId26"/>
-      <p:italic r:id="rId27"/>
-      <p:boldItalic r:id="rId28"/>
-    </p:embeddedFont>
-    <p:embeddedFont>
-      <p:font typeface="Impact" panose="020B0806030902050204" pitchFamily="34" charset="0"/>
-      <p:regular r:id="rId29"/>
-    </p:embeddedFont>
-    <p:embeddedFont>
-      <p:font typeface="Roboto" panose="020B0604020202020204" charset="0"/>
       <p:regular r:id="rId30"/>
       <p:bold r:id="rId31"/>
       <p:italic r:id="rId32"/>
@@ -9167,12 +9167,12 @@
               </a:spcBef>
             </a:pPr>
             <a:r>
-              <a:rPr lang="en-US" altLang="zh-CN" sz="2000" dirty="0" err="1"/>
-              <a:t>Github</a:t>
+              <a:rPr lang="en-US" altLang="zh-CN" sz="2000" dirty="0" smtClean="0"/>
+              <a:t>GitHub </a:t>
             </a:r>
             <a:r>
               <a:rPr lang="en-US" altLang="zh-CN" sz="2000" dirty="0"/>
-              <a:t> link:</a:t>
+              <a:t>link:</a:t>
             </a:r>
             <a:r>
               <a:rPr lang="en-US" altLang="zh-CN" sz="1800" dirty="0"/>
@@ -9578,6 +9578,42 @@
               <a:t>		</a:t>
             </a:r>
             <a:endParaRPr dirty="0"/>
+          </a:p>
+        </p:txBody>
+      </p:sp>
+      <p:sp>
+        <p:nvSpPr>
+          <p:cNvPr id="7" name="文本框 6"/>
+          <p:cNvSpPr txBox="1"/>
+          <p:nvPr/>
+        </p:nvSpPr>
+        <p:spPr>
+          <a:xfrm>
+            <a:off x="669927" y="5800070"/>
+            <a:ext cx="11087877" cy="307777"/>
+          </a:xfrm>
+          <a:prstGeom prst="rect">
+            <a:avLst/>
+          </a:prstGeom>
+          <a:noFill/>
+        </p:spPr>
+        <p:txBody>
+          <a:bodyPr wrap="square" rtlCol="0">
+            <a:spAutoFit/>
+          </a:bodyPr>
+          <a:lstStyle/>
+          <a:p>
+            <a:r>
+              <a:rPr lang="en-US" altLang="zh-CN" dirty="0" smtClean="0"/>
+              <a:t>Some code snippets: </a:t>
+            </a:r>
+            <a:r>
+              <a:rPr lang="en-US" altLang="zh-CN" sz="1200" i="1" dirty="0">
+                <a:hlinkClick r:id="rId5"/>
+              </a:rPr>
+              <a:t>https://github.com/YuZ1225/Furiosa-Panel-Interview#different-collaborative-filtering-algorithms-in-recommendation-system</a:t>
+            </a:r>
+            <a:endParaRPr lang="zh-CN" altLang="en-US" sz="1200" i="1" dirty="0"/>
           </a:p>
         </p:txBody>
       </p:sp>
@@ -9817,11 +9853,7 @@
           <a:p>
             <a:r>
               <a:rPr lang="en-US" altLang="zh-CN" dirty="0" smtClean="0"/>
-              <a:t>Drone </a:t>
-            </a:r>
-            <a:r>
-              <a:rPr lang="en-US" altLang="zh-CN" dirty="0" smtClean="0"/>
-              <a:t>Hacking</a:t>
+              <a:t>Drone Hacking</a:t>
             </a:r>
             <a:endParaRPr dirty="0"/>
           </a:p>
@@ -9888,11 +9920,7 @@
           <a:p>
             <a:r>
               <a:rPr lang="en-US" altLang="zh-CN" dirty="0" smtClean="0"/>
-              <a:t>Problem: </a:t>
-            </a:r>
-            <a:r>
-              <a:rPr lang="en-US" altLang="zh-CN" dirty="0" smtClean="0"/>
-              <a:t>Hack a drone</a:t>
+              <a:t>Problem: Hack a drone</a:t>
             </a:r>
           </a:p>
           <a:p>
@@ -9992,7 +10020,6 @@
               <a:rPr lang="en-US" altLang="zh-CN" dirty="0"/>
               <a:t> </a:t>
             </a:r>
-            <a:endParaRPr lang="en-US" altLang="zh-CN" dirty="0"/>
           </a:p>
           <a:p>
             <a:pPr marL="1028675" lvl="2" indent="0">
@@ -10006,7 +10033,6 @@
               <a:rPr lang="en-US" altLang="zh-CN" dirty="0"/>
               <a:t>get useful information.</a:t>
             </a:r>
-            <a:endParaRPr lang="en-US" altLang="zh-CN" dirty="0"/>
           </a:p>
           <a:p>
             <a:pPr lvl="1" fontAlgn="base"/>
@@ -10065,7 +10091,6 @@
               <a:rPr lang="en-US" altLang="zh-CN" dirty="0" smtClean="0"/>
               <a:t>Hijack script which can hijack the drone while flying</a:t>
             </a:r>
-            <a:endParaRPr lang="en-US" altLang="zh-CN" dirty="0" smtClean="0"/>
           </a:p>
           <a:p>
             <a:pPr marL="571486" lvl="1" indent="0">
@@ -10247,11 +10272,7 @@
           <a:p>
             <a:r>
               <a:rPr lang="en-US" altLang="zh-CN" dirty="0" smtClean="0"/>
-              <a:t>Problem: </a:t>
-            </a:r>
-            <a:r>
-              <a:rPr lang="en-US" altLang="zh-CN" dirty="0" smtClean="0"/>
-              <a:t>Identify immigrants from Brazil in the U.S.A.</a:t>
+              <a:t>Problem: Identify immigrants from Brazil in the U.S.A.</a:t>
             </a:r>
           </a:p>
           <a:p>
@@ -10300,15 +10321,43 @@
             <a:pPr lvl="1"/>
             <a:r>
               <a:rPr lang="en-US" altLang="zh-CN" dirty="0" smtClean="0"/>
-              <a:t>Recurrent Neural Network</a:t>
-            </a:r>
-            <a:endParaRPr lang="en-US" altLang="zh-CN" dirty="0"/>
+              <a:t>Recurrent Neural </a:t>
+            </a:r>
+            <a:r>
+              <a:rPr lang="en-US" altLang="zh-CN" dirty="0" smtClean="0"/>
+              <a:t>Network</a:t>
+            </a:r>
           </a:p>
           <a:p>
             <a:pPr marL="571486" lvl="1" indent="0">
               <a:buNone/>
             </a:pPr>
             <a:endParaRPr lang="en-US" altLang="zh-CN" dirty="0" smtClean="0"/>
+          </a:p>
+          <a:p>
+            <a:r>
+              <a:rPr lang="en-US" altLang="zh-CN" dirty="0" smtClean="0"/>
+              <a:t>For the KNN method, I convert the names into</a:t>
+            </a:r>
+          </a:p>
+          <a:p>
+            <a:pPr marL="114298" indent="0">
+              <a:buNone/>
+            </a:pPr>
+            <a:r>
+              <a:rPr lang="en-US" altLang="zh-CN" dirty="0" smtClean="0"/>
+              <a:t>     unique numbers with base 26 and then use KNN</a:t>
+            </a:r>
+          </a:p>
+          <a:p>
+            <a:pPr marL="114298" indent="0">
+              <a:buNone/>
+            </a:pPr>
+            <a:r>
+              <a:rPr lang="en-US" altLang="zh-CN" dirty="0" smtClean="0"/>
+              <a:t>     to classify the names.</a:t>
+            </a:r>
+            <a:endParaRPr lang="en-US" altLang="zh-CN" dirty="0"/>
           </a:p>
           <a:p>
             <a:pPr marL="571486" lvl="1" indent="0">
@@ -10377,12 +10426,12 @@
           <a:lstStyle/>
           <a:p>
             <a:r>
-              <a:rPr lang="en-US" altLang="zh-CN" dirty="0" err="1" smtClean="0"/>
-              <a:t>Github</a:t>
-            </a:r>
-            <a:r>
               <a:rPr lang="en-US" altLang="zh-CN" dirty="0" smtClean="0"/>
-              <a:t> repositories: </a:t>
+              <a:t>GitHub </a:t>
+            </a:r>
+            <a:r>
+              <a:rPr lang="en-US" altLang="zh-CN" dirty="0" smtClean="0"/>
+              <a:t>repositories: </a:t>
             </a:r>
             <a:r>
               <a:rPr lang="en-US" altLang="zh-CN" i="1" dirty="0" smtClean="0">
@@ -10395,6 +10444,42 @@
                 <a:hlinkClick r:id="rId4"/>
               </a:rPr>
               <a:t>://github.com/YuZ1225/CS542-Project</a:t>
+            </a:r>
+            <a:endParaRPr lang="zh-CN" altLang="en-US" i="1" dirty="0"/>
+          </a:p>
+        </p:txBody>
+      </p:sp>
+      <p:sp>
+        <p:nvSpPr>
+          <p:cNvPr id="9" name="文本框 8"/>
+          <p:cNvSpPr txBox="1"/>
+          <p:nvPr/>
+        </p:nvSpPr>
+        <p:spPr>
+          <a:xfrm>
+            <a:off x="669927" y="5800070"/>
+            <a:ext cx="11087877" cy="307777"/>
+          </a:xfrm>
+          <a:prstGeom prst="rect">
+            <a:avLst/>
+          </a:prstGeom>
+          <a:noFill/>
+        </p:spPr>
+        <p:txBody>
+          <a:bodyPr wrap="square" rtlCol="0">
+            <a:spAutoFit/>
+          </a:bodyPr>
+          <a:lstStyle/>
+          <a:p>
+            <a:r>
+              <a:rPr lang="en-US" altLang="zh-CN" dirty="0" smtClean="0"/>
+              <a:t>Some code snippets: </a:t>
+            </a:r>
+            <a:r>
+              <a:rPr lang="en-US" altLang="zh-CN" i="1" dirty="0">
+                <a:hlinkClick r:id="rId5"/>
+              </a:rPr>
+              <a:t>https://github.com/YuZ1225/Furiosa-Panel-Interview#classification-of-brazilian-names</a:t>
             </a:r>
             <a:endParaRPr lang="zh-CN" altLang="en-US" i="1" dirty="0"/>
           </a:p>
@@ -10744,13 +10829,10 @@
               <a:t>My solution: </a:t>
             </a:r>
             <a:r>
-              <a:rPr lang="en-US" altLang="zh-CN" sz="1500" i="1" dirty="0">
-                <a:solidFill>
-                  <a:schemeClr val="dk1"/>
-                </a:solidFill>
+              <a:rPr lang="en-US" altLang="zh-CN" sz="1600" i="1" dirty="0">
                 <a:hlinkClick r:id="rId4"/>
               </a:rPr>
-              <a:t>https://leetcode.com/problems/scramble-string/discuss/635917/easy-understand-4ms-c-recursive-solution</a:t>
+              <a:t>https://github.com/YuZ1225/Furiosa-Panel-Interview#leetcode-87-scramble-string</a:t>
             </a:r>
             <a:endParaRPr lang="zh-CN" altLang="en-US" sz="1500" i="1" dirty="0">
               <a:solidFill>
@@ -10788,7 +10870,15 @@
                   <a:schemeClr val="dk1"/>
                 </a:solidFill>
               </a:rPr>
-              <a:t>Link: </a:t>
+              <a:t>Problem Link</a:t>
+            </a:r>
+            <a:r>
+              <a:rPr lang="en-US" altLang="zh-CN" sz="2000" dirty="0" smtClean="0">
+                <a:solidFill>
+                  <a:schemeClr val="dk1"/>
+                </a:solidFill>
+              </a:rPr>
+              <a:t>: </a:t>
             </a:r>
             <a:r>
               <a:rPr lang="en-US" altLang="zh-CN" sz="1600" i="1" dirty="0">
@@ -10958,11 +11048,16 @@
             </a:pPr>
             <a:r>
               <a:rPr lang="en-US" altLang="zh-CN" sz="1600" dirty="0"/>
-              <a:t>You have the following 3 operations permitted on a word</a:t>
-            </a:r>
+              <a:t>You have the following 3 operations permitted on a word:</a:t>
+            </a:r>
+          </a:p>
+          <a:p>
+            <a:pPr marL="0" indent="0">
+              <a:buNone/>
+            </a:pPr>
             <a:r>
               <a:rPr lang="en-US" altLang="zh-CN" sz="1600" dirty="0"/>
-              <a:t>:</a:t>
+              <a:t>	1. Insert a character</a:t>
             </a:r>
           </a:p>
           <a:p>
@@ -10971,45 +11066,16 @@
             </a:pPr>
             <a:r>
               <a:rPr lang="en-US" altLang="zh-CN" sz="1600" dirty="0"/>
-              <a:t>	1. Insert </a:t>
-            </a:r>
+              <a:t>	2. Delete a character</a:t>
+            </a:r>
+          </a:p>
+          <a:p>
+            <a:pPr marL="0" indent="0">
+              <a:buNone/>
+            </a:pPr>
             <a:r>
               <a:rPr lang="en-US" altLang="zh-CN" sz="1600" dirty="0"/>
-              <a:t>a character</a:t>
-            </a:r>
-          </a:p>
-          <a:p>
-            <a:pPr marL="0" indent="0">
-              <a:buNone/>
-            </a:pPr>
-            <a:r>
-              <a:rPr lang="en-US" altLang="zh-CN" sz="1600" dirty="0"/>
-              <a:t>	</a:t>
-            </a:r>
-            <a:r>
-              <a:rPr lang="en-US" altLang="zh-CN" sz="1600" dirty="0"/>
-              <a:t>2. Delete </a:t>
-            </a:r>
-            <a:r>
-              <a:rPr lang="en-US" altLang="zh-CN" sz="1600" dirty="0"/>
-              <a:t>a character</a:t>
-            </a:r>
-          </a:p>
-          <a:p>
-            <a:pPr marL="0" indent="0">
-              <a:buNone/>
-            </a:pPr>
-            <a:r>
-              <a:rPr lang="en-US" altLang="zh-CN" sz="1600" dirty="0"/>
-              <a:t>	</a:t>
-            </a:r>
-            <a:r>
-              <a:rPr lang="en-US" altLang="zh-CN" sz="1600" dirty="0"/>
-              <a:t>3. Replace </a:t>
-            </a:r>
-            <a:r>
-              <a:rPr lang="en-US" altLang="zh-CN" sz="1600" dirty="0"/>
-              <a:t>a character</a:t>
+              <a:t>	3. Replace a character</a:t>
             </a:r>
           </a:p>
           <a:p>
@@ -11116,7 +11182,15 @@
                   <a:schemeClr val="dk1"/>
                 </a:solidFill>
               </a:rPr>
-              <a:t>Link: </a:t>
+              <a:t>Problem Link</a:t>
+            </a:r>
+            <a:r>
+              <a:rPr lang="en-US" altLang="zh-CN" sz="2000" dirty="0" smtClean="0">
+                <a:solidFill>
+                  <a:schemeClr val="dk1"/>
+                </a:solidFill>
+              </a:rPr>
+              <a:t>: </a:t>
             </a:r>
             <a:r>
               <a:rPr lang="en-US" altLang="zh-CN" sz="1600" i="1" dirty="0">
@@ -11325,10 +11399,14 @@
           <a:lstStyle/>
           <a:p>
             <a:r>
-              <a:rPr lang="en-US" sz="4800"/>
-              <a:t>Q &amp; A?</a:t>
-            </a:r>
-            <a:endParaRPr sz="4800" b="0"/>
+              <a:rPr lang="en-US" sz="4800" dirty="0"/>
+              <a:t>Q &amp; </a:t>
+            </a:r>
+            <a:r>
+              <a:rPr lang="en-US" sz="4800" dirty="0" smtClean="0"/>
+              <a:t>A</a:t>
+            </a:r>
+            <a:endParaRPr sz="4800" b="0" dirty="0"/>
           </a:p>
         </p:txBody>
       </p:sp>
@@ -12274,18 +12352,9 @@
               <a:buNone/>
             </a:pPr>
             <a:r>
-              <a:rPr lang="en-US" altLang="zh-CN" dirty="0"/>
+              <a:rPr lang="en-US" altLang="zh-CN"/>
               <a:t>	</a:t>
             </a:r>
-            <a:r>
-              <a:rPr lang="en-US" altLang="zh-CN" dirty="0" smtClean="0"/>
-              <a:t>GPA 3.3</a:t>
-            </a:r>
-          </a:p>
-          <a:p>
-            <a:pPr marL="114297" indent="0">
-              <a:buNone/>
-            </a:pPr>
             <a:endParaRPr dirty="0" smtClean="0"/>
           </a:p>
           <a:p>
@@ -12339,15 +12408,7 @@
           <a:p>
             <a:r>
               <a:rPr lang="en-US" altLang="zh-CN" b="1" dirty="0" smtClean="0"/>
-              <a:t>Chinese Mathematical </a:t>
-            </a:r>
-            <a:r>
-              <a:rPr lang="en-US" altLang="zh-CN" b="1" dirty="0" smtClean="0"/>
-              <a:t>Olympiad(CMO</a:t>
-            </a:r>
-            <a:r>
-              <a:rPr lang="en-US" altLang="zh-CN" b="1" dirty="0" smtClean="0"/>
-              <a:t>)</a:t>
+              <a:t>Chinese Mathematical Olympiad(CMO)</a:t>
             </a:r>
           </a:p>
           <a:p>
@@ -12411,7 +12472,7 @@
                                         <p:tgtEl>
                                           <p:spTgt spid="92">
                                             <p:txEl>
-                                              <p:pRg st="8" end="8"/>
+                                              <p:pRg st="7" end="7"/>
                                             </p:txEl>
                                           </p:spTgt>
                                         </p:tgtEl>
@@ -12429,7 +12490,7 @@
                                         <p:tgtEl>
                                           <p:spTgt spid="92">
                                             <p:txEl>
-                                              <p:pRg st="8" end="8"/>
+                                              <p:pRg st="7" end="7"/>
                                             </p:txEl>
                                           </p:spTgt>
                                         </p:tgtEl>
@@ -12454,7 +12515,7 @@
                                         <p:tgtEl>
                                           <p:spTgt spid="92">
                                             <p:txEl>
-                                              <p:pRg st="9" end="9"/>
+                                              <p:pRg st="8" end="8"/>
                                             </p:txEl>
                                           </p:spTgt>
                                         </p:tgtEl>
@@ -12472,7 +12533,7 @@
                                         <p:tgtEl>
                                           <p:spTgt spid="92">
                                             <p:txEl>
-                                              <p:pRg st="9" end="9"/>
+                                              <p:pRg st="8" end="8"/>
                                             </p:txEl>
                                           </p:spTgt>
                                         </p:tgtEl>
@@ -12625,17 +12686,12 @@
               <a:rPr lang="en-US" altLang="zh-CN" dirty="0" smtClean="0"/>
               <a:t>Software aspect:</a:t>
             </a:r>
-            <a:endParaRPr lang="en-US" altLang="zh-CN" dirty="0" smtClean="0"/>
           </a:p>
           <a:p>
             <a:pPr lvl="1"/>
             <a:r>
               <a:rPr lang="en-US" altLang="zh-CN" b="1" dirty="0" smtClean="0"/>
-              <a:t>C</a:t>
-            </a:r>
-            <a:r>
-              <a:rPr lang="en-US" altLang="zh-CN" b="1" dirty="0" smtClean="0"/>
-              <a:t>++</a:t>
+              <a:t>C++</a:t>
             </a:r>
             <a:r>
               <a:rPr lang="en-US" altLang="zh-CN" dirty="0" smtClean="0"/>
@@ -12649,7 +12705,6 @@
               <a:rPr lang="en-US" altLang="zh-CN" dirty="0" smtClean="0"/>
               <a:t>, Bash…</a:t>
             </a:r>
-            <a:endParaRPr lang="en-US" altLang="zh-CN" dirty="0" smtClean="0"/>
           </a:p>
           <a:p>
             <a:pPr lvl="1"/>
@@ -12657,7 +12712,6 @@
               <a:rPr lang="en-US" altLang="zh-CN" dirty="0" smtClean="0"/>
               <a:t>Algorithms and data structure</a:t>
             </a:r>
-            <a:endParaRPr lang="en-US" altLang="zh-CN" dirty="0" smtClean="0"/>
           </a:p>
           <a:p>
             <a:pPr lvl="1"/>
@@ -12670,11 +12724,7 @@
             <a:pPr lvl="1"/>
             <a:r>
               <a:rPr lang="en-US" altLang="zh-CN" dirty="0" smtClean="0"/>
-              <a:t>Machine </a:t>
-            </a:r>
-            <a:r>
-              <a:rPr lang="en-US" altLang="zh-CN" dirty="0" smtClean="0"/>
-              <a:t>Learning</a:t>
+              <a:t>Machine Learning</a:t>
             </a:r>
           </a:p>
           <a:p>
@@ -12690,7 +12740,6 @@
               <a:rPr lang="en-US" altLang="zh-CN" dirty="0" smtClean="0"/>
               <a:t>…</a:t>
             </a:r>
-            <a:endParaRPr lang="en-US" altLang="zh-CN" dirty="0" smtClean="0"/>
           </a:p>
           <a:p>
             <a:endParaRPr lang="en-US" altLang="zh-CN" dirty="0" smtClean="0"/>
@@ -12707,17 +12756,12 @@
               <a:rPr lang="en-US" altLang="zh-CN" dirty="0" smtClean="0"/>
               <a:t>Digital integrated circuits</a:t>
             </a:r>
-            <a:endParaRPr lang="en-US" altLang="zh-CN" dirty="0" smtClean="0"/>
           </a:p>
           <a:p>
             <a:pPr lvl="1"/>
             <a:r>
               <a:rPr lang="en-US" altLang="zh-CN" dirty="0" smtClean="0"/>
-              <a:t>Computer </a:t>
-            </a:r>
-            <a:r>
-              <a:rPr lang="en-US" altLang="zh-CN" dirty="0" smtClean="0"/>
-              <a:t>Architecture</a:t>
+              <a:t>Computer Architecture</a:t>
             </a:r>
           </a:p>
           <a:p>
@@ -12726,7 +12770,6 @@
               <a:rPr lang="en-US" altLang="zh-CN" dirty="0" smtClean="0"/>
               <a:t>Verilog</a:t>
             </a:r>
-            <a:endParaRPr lang="en-US" altLang="zh-CN" dirty="0" smtClean="0"/>
           </a:p>
           <a:p>
             <a:pPr lvl="1"/>
@@ -12734,7 +12777,6 @@
               <a:rPr lang="en-US" altLang="zh-CN" dirty="0" smtClean="0"/>
               <a:t>FPGA projects</a:t>
             </a:r>
-            <a:endParaRPr lang="en-US" altLang="zh-CN" dirty="0" smtClean="0"/>
           </a:p>
           <a:p>
             <a:endParaRPr lang="en-US" altLang="zh-CN" dirty="0" smtClean="0"/>
@@ -13002,11 +13044,7 @@
           <a:p>
             <a:r>
               <a:rPr lang="en-US" sz="3600" dirty="0" smtClean="0"/>
-              <a:t>Development </a:t>
-            </a:r>
-            <a:r>
-              <a:rPr lang="en-US" sz="3600" dirty="0" smtClean="0"/>
-              <a:t>Projects and Experience</a:t>
+              <a:t>Development Projects and Experience</a:t>
             </a:r>
             <a:endParaRPr sz="3600" dirty="0"/>
           </a:p>
@@ -13310,18 +13348,54 @@
           <a:lstStyle/>
           <a:p>
             <a:r>
-              <a:rPr lang="en-US" altLang="zh-CN" dirty="0" err="1" smtClean="0"/>
-              <a:t>Github</a:t>
-            </a:r>
-            <a:r>
               <a:rPr lang="en-US" altLang="zh-CN" dirty="0" smtClean="0"/>
-              <a:t> repositories: </a:t>
+              <a:t>GitHub </a:t>
+            </a:r>
+            <a:r>
+              <a:rPr lang="en-US" altLang="zh-CN" dirty="0" smtClean="0"/>
+              <a:t>repositories: </a:t>
             </a:r>
             <a:r>
               <a:rPr lang="en-US" altLang="zh-CN" i="1" dirty="0">
                 <a:hlinkClick r:id="rId4"/>
               </a:rPr>
               <a:t>https://github.com/YuZ1225/BU-EC503-Project-Fall-2018</a:t>
+            </a:r>
+            <a:endParaRPr lang="zh-CN" altLang="en-US" i="1" dirty="0"/>
+          </a:p>
+        </p:txBody>
+      </p:sp>
+      <p:sp>
+        <p:nvSpPr>
+          <p:cNvPr id="7" name="文本框 6"/>
+          <p:cNvSpPr txBox="1"/>
+          <p:nvPr/>
+        </p:nvSpPr>
+        <p:spPr>
+          <a:xfrm>
+            <a:off x="669927" y="5856773"/>
+            <a:ext cx="8704053" cy="307777"/>
+          </a:xfrm>
+          <a:prstGeom prst="rect">
+            <a:avLst/>
+          </a:prstGeom>
+          <a:noFill/>
+        </p:spPr>
+        <p:txBody>
+          <a:bodyPr wrap="square" rtlCol="0">
+            <a:spAutoFit/>
+          </a:bodyPr>
+          <a:lstStyle/>
+          <a:p>
+            <a:r>
+              <a:rPr lang="en-US" altLang="zh-CN" dirty="0" smtClean="0"/>
+              <a:t>Dataset  from: </a:t>
+            </a:r>
+            <a:r>
+              <a:rPr lang="en-US" altLang="zh-CN" i="1" dirty="0">
+                <a:hlinkClick r:id="rId5"/>
+              </a:rPr>
+              <a:t>https://www.kaggle.com/philippsp/book-recommender-collaborative-filtering-shiny</a:t>
             </a:r>
             <a:endParaRPr lang="zh-CN" altLang="en-US" i="1" dirty="0"/>
           </a:p>
